--- a/doc/Group3_presentation.pptx
+++ b/doc/Group3_presentation.pptx
@@ -174,11 +174,26 @@
   </pc:docChgLst>
   <pc:docChgLst>
     <pc:chgData name="wen yin" userId="56e73c8cae214f79" providerId="LiveId" clId="{D433173D-E1AC-49CF-A92D-137E87265CB5}"/>
-    <pc:docChg chg="delSld modSld">
-      <pc:chgData name="wen yin" userId="56e73c8cae214f79" providerId="LiveId" clId="{D433173D-E1AC-49CF-A92D-137E87265CB5}" dt="2020-12-16T01:47:24.813" v="4" actId="20577"/>
+    <pc:docChg chg="undo custSel delSld modSld">
+      <pc:chgData name="wen yin" userId="56e73c8cae214f79" providerId="LiveId" clId="{D433173D-E1AC-49CF-A92D-137E87265CB5}" dt="2020-12-16T01:53:52.120" v="12" actId="255"/>
       <pc:docMkLst>
         <pc:docMk/>
       </pc:docMkLst>
+      <pc:sldChg chg="modSp mod">
+        <pc:chgData name="wen yin" userId="56e73c8cae214f79" providerId="LiveId" clId="{D433173D-E1AC-49CF-A92D-137E87265CB5}" dt="2020-12-16T01:53:52.120" v="12" actId="255"/>
+        <pc:sldMkLst>
+          <pc:docMk/>
+          <pc:sldMk cId="3040242124" sldId="256"/>
+        </pc:sldMkLst>
+        <pc:spChg chg="mod">
+          <ac:chgData name="wen yin" userId="56e73c8cae214f79" providerId="LiveId" clId="{D433173D-E1AC-49CF-A92D-137E87265CB5}" dt="2020-12-16T01:53:52.120" v="12" actId="255"/>
+          <ac:spMkLst>
+            <pc:docMk/>
+            <pc:sldMk cId="3040242124" sldId="256"/>
+            <ac:spMk id="2" creationId="{BDA3F5F7-83B8-4628-91DC-28FB48D93FD5}"/>
+          </ac:spMkLst>
+        </pc:spChg>
+      </pc:sldChg>
       <pc:sldChg chg="modSp mod">
         <pc:chgData name="wen yin" userId="56e73c8cae214f79" providerId="LiveId" clId="{D433173D-E1AC-49CF-A92D-137E87265CB5}" dt="2020-12-16T01:47:24.813" v="4" actId="20577"/>
         <pc:sldMkLst>
@@ -7312,23 +7327,24 @@
           <a:lstStyle/>
           <a:p>
             <a:br>
-              <a:rPr lang="en-US" sz="6800"/>
+              <a:rPr lang="en-US" sz="3200" dirty="0">
+                <a:latin typeface="+mn-lt"/>
+              </a:rPr>
             </a:br>
             <a:r>
-              <a:rPr lang="en-US" sz="6800"/>
-              <a:t> </a:t>
+              <a:rPr lang="en-US" sz="3200" b="1" i="0" dirty="0">
+                <a:solidFill>
+                  <a:srgbClr val="24292E"/>
+                </a:solidFill>
+                <a:effectLst/>
+                <a:latin typeface="+mn-lt"/>
+              </a:rPr>
+              <a:t>Applying data science to analysis housing market in US</a:t>
             </a:r>
             <a:br>
-              <a:rPr lang="en-US" sz="6800"/>
+              <a:rPr lang="en-US" sz="6800" dirty="0"/>
             </a:br>
-            <a:r>
-              <a:rPr lang="en-US" sz="6800"/>
-              <a:t>Housing Market in the U.S. </a:t>
-            </a:r>
-            <a:br>
-              <a:rPr lang="en-US" sz="6800"/>
-            </a:br>
-            <a:endParaRPr lang="en-US" sz="6800"/>
+            <a:endParaRPr lang="en-US" sz="6800" dirty="0"/>
           </a:p>
         </p:txBody>
       </p:sp>

--- a/doc/Group3_presentation.pptx
+++ b/doc/Group3_presentation.pptx
@@ -146,6 +146,14 @@
 </p:presentation>
 </file>
 
+<file path=ppt/revisionInfo.xml><?xml version="1.0" encoding="utf-8"?>
+<p1510:revInfo xmlns:a="http://schemas.openxmlformats.org/drawingml/2006/main" xmlns:r="http://schemas.openxmlformats.org/officeDocument/2006/relationships" xmlns:p1510="http://schemas.microsoft.com/office/powerpoint/2015/10/main">
+  <p1510:revLst>
+    <p1510:client id="{D433173D-E1AC-49CF-A92D-137E87265CB5}" v="22" dt="2020-12-16T03:39:49.059"/>
+  </p1510:revLst>
+</p1510:revInfo>
+</file>
+
 <file path=ppt/changesInfos/changesInfo1.xml><?xml version="1.0" encoding="utf-8"?>
 <pc:chgInfo xmlns:a="http://schemas.openxmlformats.org/drawingml/2006/main" xmlns:r="http://schemas.openxmlformats.org/officeDocument/2006/relationships" xmlns:ac="http://schemas.microsoft.com/office/drawing/2013/main/command" xmlns:pc="http://schemas.microsoft.com/office/powerpoint/2013/main/command">
   <pc:docChgLst>
@@ -175,7 +183,7 @@
   <pc:docChgLst>
     <pc:chgData name="wen yin" userId="56e73c8cae214f79" providerId="LiveId" clId="{D433173D-E1AC-49CF-A92D-137E87265CB5}"/>
     <pc:docChg chg="undo custSel delSld modSld">
-      <pc:chgData name="wen yin" userId="56e73c8cae214f79" providerId="LiveId" clId="{D433173D-E1AC-49CF-A92D-137E87265CB5}" dt="2020-12-16T01:53:52.120" v="12" actId="255"/>
+      <pc:chgData name="wen yin" userId="56e73c8cae214f79" providerId="LiveId" clId="{D433173D-E1AC-49CF-A92D-137E87265CB5}" dt="2020-12-16T03:39:49.059" v="59" actId="20577"/>
       <pc:docMkLst>
         <pc:docMk/>
       </pc:docMkLst>
@@ -193,6 +201,21 @@
             <ac:spMk id="2" creationId="{BDA3F5F7-83B8-4628-91DC-28FB48D93FD5}"/>
           </ac:spMkLst>
         </pc:spChg>
+      </pc:sldChg>
+      <pc:sldChg chg="modSp">
+        <pc:chgData name="wen yin" userId="56e73c8cae214f79" providerId="LiveId" clId="{D433173D-E1AC-49CF-A92D-137E87265CB5}" dt="2020-12-16T03:39:49.059" v="59" actId="20577"/>
+        <pc:sldMkLst>
+          <pc:docMk/>
+          <pc:sldMk cId="2680951634" sldId="259"/>
+        </pc:sldMkLst>
+        <pc:graphicFrameChg chg="mod">
+          <ac:chgData name="wen yin" userId="56e73c8cae214f79" providerId="LiveId" clId="{D433173D-E1AC-49CF-A92D-137E87265CB5}" dt="2020-12-16T03:39:49.059" v="59" actId="20577"/>
+          <ac:graphicFrameMkLst>
+            <pc:docMk/>
+            <pc:sldMk cId="2680951634" sldId="259"/>
+            <ac:graphicFrameMk id="5" creationId="{047B81A9-EF77-40E4-90C7-B35B44EF677F}"/>
+          </ac:graphicFrameMkLst>
+        </pc:graphicFrameChg>
       </pc:sldChg>
       <pc:sldChg chg="modSp mod">
         <pc:chgData name="wen yin" userId="56e73c8cae214f79" providerId="LiveId" clId="{D433173D-E1AC-49CF-A92D-137E87265CB5}" dt="2020-12-16T01:47:24.813" v="4" actId="20577"/>
@@ -215,6 +238,36 @@
           <pc:docMk/>
           <pc:sldMk cId="621482884" sldId="275"/>
         </pc:sldMkLst>
+      </pc:sldChg>
+      <pc:sldChg chg="modSp mod">
+        <pc:chgData name="wen yin" userId="56e73c8cae214f79" providerId="LiveId" clId="{D433173D-E1AC-49CF-A92D-137E87265CB5}" dt="2020-12-16T03:05:10.660" v="43" actId="20577"/>
+        <pc:sldMkLst>
+          <pc:docMk/>
+          <pc:sldMk cId="3461366587" sldId="288"/>
+        </pc:sldMkLst>
+        <pc:spChg chg="mod">
+          <ac:chgData name="wen yin" userId="56e73c8cae214f79" providerId="LiveId" clId="{D433173D-E1AC-49CF-A92D-137E87265CB5}" dt="2020-12-16T03:05:10.660" v="43" actId="20577"/>
+          <ac:spMkLst>
+            <pc:docMk/>
+            <pc:sldMk cId="3461366587" sldId="288"/>
+            <ac:spMk id="3" creationId="{8F6FBF02-C4A7-4191-B11B-50AD66A47F37}"/>
+          </ac:spMkLst>
+        </pc:spChg>
+      </pc:sldChg>
+      <pc:sldChg chg="modSp mod">
+        <pc:chgData name="wen yin" userId="56e73c8cae214f79" providerId="LiveId" clId="{D433173D-E1AC-49CF-A92D-137E87265CB5}" dt="2020-12-16T03:20:55.869" v="44" actId="20577"/>
+        <pc:sldMkLst>
+          <pc:docMk/>
+          <pc:sldMk cId="447640989" sldId="296"/>
+        </pc:sldMkLst>
+        <pc:spChg chg="mod">
+          <ac:chgData name="wen yin" userId="56e73c8cae214f79" providerId="LiveId" clId="{D433173D-E1AC-49CF-A92D-137E87265CB5}" dt="2020-12-16T03:20:55.869" v="44" actId="20577"/>
+          <ac:spMkLst>
+            <pc:docMk/>
+            <pc:sldMk cId="447640989" sldId="296"/>
+            <ac:spMk id="3" creationId="{C749E609-7B65-4849-958C-408073648911}"/>
+          </ac:spMkLst>
+        </pc:spChg>
       </pc:sldChg>
     </pc:docChg>
   </pc:docChgLst>
@@ -1071,28 +1124,28 @@
         <a:lstStyle/>
         <a:p>
           <a:r>
-            <a:rPr lang="en-US" altLang="ko-KR" b="1">
+            <a:rPr lang="en-US" altLang="ko-KR" b="1" dirty="0">
               <a:cs typeface="Calibri Light"/>
             </a:rPr>
             <a:t>Are there any correlation between </a:t>
           </a:r>
           <a:r>
-            <a:rPr lang="en-US" b="1"/>
+            <a:rPr lang="en-US" b="1" dirty="0"/>
             <a:t>US house </a:t>
           </a:r>
           <a:r>
-            <a:rPr lang="ko-KR" b="1"/>
+            <a:rPr lang="ko-KR" b="1" dirty="0"/>
             <a:t>prices</a:t>
           </a:r>
           <a:r>
-            <a:rPr lang="en-US" b="1"/>
+            <a:rPr lang="en-US" b="1" dirty="0"/>
             <a:t> (</a:t>
           </a:r>
           <a:r>
-            <a:rPr lang="en-US" altLang="ko-KR" b="1"/>
-            <a:t>1991-2016) and</a:t>
+            <a:rPr lang="en-US" altLang="ko-KR" b="1" dirty="0"/>
+            <a:t>1991-2016) </a:t>
           </a:r>
-          <a:endParaRPr lang="en-US"/>
+          <a:endParaRPr lang="en-US" dirty="0"/>
         </a:p>
       </dgm:t>
     </dgm:pt>
@@ -1288,30 +1341,38 @@
         <a:lstStyle/>
         <a:p>
           <a:r>
-            <a:rPr lang="ko-KR" b="1"/>
-            <a:t>Predict house prices</a:t>
+            <a:rPr lang="en-US" altLang="ko-KR" b="1"/>
+            <a:t>Analysis</a:t>
           </a:r>
           <a:r>
-            <a:rPr lang="en-US" b="1"/>
+            <a:rPr lang="ko-KR" b="1"/>
             <a:t> </a:t>
           </a:r>
           <a:r>
-            <a:rPr lang="en-US" altLang="ko-KR" b="1"/>
+            <a:rPr lang="ko-KR" b="1" dirty="0"/>
+            <a:t>house prices</a:t>
+          </a:r>
+          <a:r>
+            <a:rPr lang="en-US" b="1" dirty="0"/>
+            <a:t> </a:t>
+          </a:r>
+          <a:r>
+            <a:rPr lang="en-US" altLang="ko-KR" b="1" dirty="0"/>
             <a:t>in New York </a:t>
           </a:r>
           <a:r>
-            <a:rPr lang="ko-KR" b="1"/>
+            <a:rPr lang="ko-KR" b="1" dirty="0"/>
             <a:t>for </a:t>
           </a:r>
           <a:r>
-            <a:rPr lang="en-US" b="1"/>
+            <a:rPr lang="en-US" b="1" dirty="0"/>
             <a:t>the 8-year </a:t>
           </a:r>
           <a:r>
-            <a:rPr lang="en-US" altLang="ko-KR" b="1"/>
+            <a:rPr lang="en-US" altLang="ko-KR" b="1" dirty="0"/>
             <a:t>period (2009 –2016)</a:t>
           </a:r>
-          <a:endParaRPr lang="en-US" altLang="ko-KR" sz="3400">
+          <a:endParaRPr lang="en-US" altLang="ko-KR" sz="3400" dirty="0">
             <a:solidFill>
               <a:srgbClr val="000000"/>
             </a:solidFill>
@@ -1350,12 +1411,12 @@
         <a:lstStyle/>
         <a:p>
           <a:r>
-            <a:rPr lang="en-US" altLang="ko-KR" sz="3400" b="1">
+            <a:rPr lang="en-US" altLang="ko-KR" sz="3400" b="1" dirty="0">
               <a:cs typeface="Calibri Light"/>
             </a:rPr>
-            <a:t>Track the correlation of New York house prices for 8 years (2009-2016) with</a:t>
+            <a:t>Track the correlation of New York house prices for 8 years (2009-2016) </a:t>
           </a:r>
-          <a:endParaRPr lang="en-US" altLang="ko-KR" sz="3400" b="1">
+          <a:endParaRPr lang="en-US" altLang="ko-KR" sz="3400" b="1" dirty="0">
             <a:solidFill>
               <a:srgbClr val="000000"/>
             </a:solidFill>
@@ -1794,28 +1855,28 @@
             <a:buNone/>
           </a:pPr>
           <a:r>
-            <a:rPr lang="en-US" altLang="ko-KR" sz="2200" b="1" kern="1200">
+            <a:rPr lang="en-US" altLang="ko-KR" sz="2200" b="1" kern="1200" dirty="0">
               <a:cs typeface="Calibri Light"/>
             </a:rPr>
             <a:t>Are there any correlation between </a:t>
           </a:r>
           <a:r>
-            <a:rPr lang="en-US" sz="2200" b="1" kern="1200"/>
+            <a:rPr lang="en-US" sz="2200" b="1" kern="1200" dirty="0"/>
             <a:t>US house </a:t>
           </a:r>
           <a:r>
-            <a:rPr lang="ko-KR" sz="2200" b="1" kern="1200"/>
+            <a:rPr lang="ko-KR" sz="2200" b="1" kern="1200" dirty="0"/>
             <a:t>prices</a:t>
           </a:r>
           <a:r>
-            <a:rPr lang="en-US" sz="2200" b="1" kern="1200"/>
+            <a:rPr lang="en-US" sz="2200" b="1" kern="1200" dirty="0"/>
             <a:t> (</a:t>
           </a:r>
           <a:r>
-            <a:rPr lang="en-US" altLang="ko-KR" sz="2200" b="1" kern="1200"/>
-            <a:t>1991-2016) and</a:t>
+            <a:rPr lang="en-US" altLang="ko-KR" sz="2200" b="1" kern="1200" dirty="0"/>
+            <a:t>1991-2016) </a:t>
           </a:r>
-          <a:endParaRPr lang="en-US" sz="2200" kern="1200"/>
+          <a:endParaRPr lang="en-US" sz="2200" kern="1200" dirty="0"/>
         </a:p>
       </dsp:txBody>
       <dsp:txXfrm>
@@ -1997,12 +2058,12 @@
             <a:buNone/>
           </a:pPr>
           <a:r>
-            <a:rPr lang="en-US" altLang="ko-KR" sz="2200" b="1" kern="1200">
+            <a:rPr lang="en-US" altLang="ko-KR" sz="2200" b="1" kern="1200" dirty="0">
               <a:cs typeface="Calibri Light"/>
             </a:rPr>
-            <a:t>Track the correlation of New York house prices for 8 years (2009-2016) with</a:t>
+            <a:t>Track the correlation of New York house prices for 8 years (2009-2016) </a:t>
           </a:r>
-          <a:endParaRPr lang="en-US" altLang="ko-KR" sz="2200" b="1" kern="1200">
+          <a:endParaRPr lang="en-US" altLang="ko-KR" sz="2200" b="1" kern="1200" dirty="0">
             <a:solidFill>
               <a:srgbClr val="000000"/>
             </a:solidFill>
@@ -2193,30 +2254,38 @@
             <a:buNone/>
           </a:pPr>
           <a:r>
-            <a:rPr lang="ko-KR" sz="2200" b="1" kern="1200"/>
-            <a:t>Predict house prices</a:t>
+            <a:rPr lang="en-US" altLang="ko-KR" sz="2200" b="1" kern="1200"/>
+            <a:t>Analysis</a:t>
           </a:r>
           <a:r>
-            <a:rPr lang="en-US" sz="2200" b="1" kern="1200"/>
+            <a:rPr lang="ko-KR" sz="2200" b="1" kern="1200"/>
             <a:t> </a:t>
           </a:r>
           <a:r>
-            <a:rPr lang="en-US" altLang="ko-KR" sz="2200" b="1" kern="1200"/>
+            <a:rPr lang="ko-KR" sz="2200" b="1" kern="1200" dirty="0"/>
+            <a:t>house prices</a:t>
+          </a:r>
+          <a:r>
+            <a:rPr lang="en-US" sz="2200" b="1" kern="1200" dirty="0"/>
+            <a:t> </a:t>
+          </a:r>
+          <a:r>
+            <a:rPr lang="en-US" altLang="ko-KR" sz="2200" b="1" kern="1200" dirty="0"/>
             <a:t>in New York </a:t>
           </a:r>
           <a:r>
-            <a:rPr lang="ko-KR" sz="2200" b="1" kern="1200"/>
+            <a:rPr lang="ko-KR" sz="2200" b="1" kern="1200" dirty="0"/>
             <a:t>for </a:t>
           </a:r>
           <a:r>
-            <a:rPr lang="en-US" sz="2200" b="1" kern="1200"/>
+            <a:rPr lang="en-US" sz="2200" b="1" kern="1200" dirty="0"/>
             <a:t>the 8-year </a:t>
           </a:r>
           <a:r>
-            <a:rPr lang="en-US" altLang="ko-KR" sz="2200" b="1" kern="1200"/>
+            <a:rPr lang="en-US" altLang="ko-KR" sz="2200" b="1" kern="1200" dirty="0"/>
             <a:t>period (2009 –2016)</a:t>
           </a:r>
-          <a:endParaRPr lang="en-US" altLang="ko-KR" sz="2200" kern="1200">
+          <a:endParaRPr lang="en-US" altLang="ko-KR" sz="2200" kern="1200" dirty="0">
             <a:solidFill>
               <a:srgbClr val="000000"/>
             </a:solidFill>
@@ -7734,7 +7803,7 @@
           <a:lstStyle/>
           <a:p>
             <a:r>
-              <a:rPr lang="en-US" b="1"/>
+              <a:rPr lang="en-US" b="1" dirty="0"/>
               <a:t>Observations:</a:t>
             </a:r>
           </a:p>
@@ -7744,8 +7813,8 @@
               <a:buAutoNum type="arabicPeriod"/>
             </a:pPr>
             <a:r>
-              <a:rPr lang="en-US"/>
-              <a:t>House prices have doubled over the 25-year period</a:t>
+              <a:rPr lang="en-US" dirty="0"/>
+              <a:t>Household Income have doubled over the 25-year period</a:t>
             </a:r>
           </a:p>
           <a:p>
@@ -7754,15 +7823,15 @@
               <a:buAutoNum type="arabicPeriod"/>
             </a:pPr>
             <a:r>
-              <a:rPr lang="en-US"/>
+              <a:rPr lang="en-US" dirty="0"/>
               <a:t>District of Columbia is the state with the </a:t>
             </a:r>
             <a:r>
-              <a:rPr lang="en-US" u="sng"/>
+              <a:rPr lang="en-US" u="sng" dirty="0"/>
               <a:t>highest </a:t>
             </a:r>
             <a:r>
-              <a:rPr lang="en-US"/>
+              <a:rPr lang="en-US" dirty="0"/>
               <a:t>standard deviation in household income – most change</a:t>
             </a:r>
           </a:p>
@@ -7772,15 +7841,15 @@
               <a:buAutoNum type="arabicPeriod"/>
             </a:pPr>
             <a:r>
-              <a:rPr lang="en-US"/>
+              <a:rPr lang="en-US" dirty="0"/>
               <a:t>Michigan is the state with the </a:t>
             </a:r>
             <a:r>
-              <a:rPr lang="en-US" u="sng"/>
+              <a:rPr lang="en-US" u="sng" dirty="0"/>
               <a:t>lowest</a:t>
             </a:r>
             <a:r>
-              <a:rPr lang="en-US"/>
+              <a:rPr lang="en-US" dirty="0"/>
               <a:t> standard deviation in house prices – least change</a:t>
             </a:r>
           </a:p>
@@ -7790,21 +7859,21 @@
               <a:buAutoNum type="arabicPeriod"/>
             </a:pPr>
             <a:r>
-              <a:rPr lang="en-US"/>
+              <a:rPr lang="en-US" dirty="0"/>
               <a:t>Great Recession from Dec 2007 - June 2009</a:t>
             </a:r>
           </a:p>
           <a:p>
             <a:pPr marL="932688" lvl="2" indent="-457200"/>
             <a:r>
-              <a:rPr lang="en-US"/>
+              <a:rPr lang="en-US" dirty="0"/>
               <a:t>Household income in most states went down.</a:t>
             </a:r>
           </a:p>
           <a:p>
             <a:pPr marL="932688" lvl="2" indent="-457200"/>
             <a:r>
-              <a:rPr lang="en-US"/>
+              <a:rPr lang="en-US" dirty="0"/>
               <a:t>New York has a delayed impact; the household income dropped a couple of years later in 2013</a:t>
             </a:r>
           </a:p>
@@ -7812,7 +7881,7 @@
             <a:pPr marL="0" indent="0">
               <a:buNone/>
             </a:pPr>
-            <a:endParaRPr lang="en-US"/>
+            <a:endParaRPr lang="en-US" dirty="0"/>
           </a:p>
         </p:txBody>
       </p:sp>
@@ -11702,22 +11771,6 @@
               <a:cs typeface="Calibri"/>
             </a:endParaRPr>
           </a:p>
-          <a:p>
-            <a:r>
-              <a:rPr lang="en-US" sz="3200" dirty="0">
-                <a:cs typeface="Calibri"/>
-              </a:rPr>
-              <a:t>High housing price + Less job = Homeless</a:t>
-            </a:r>
-          </a:p>
-          <a:p>
-            <a:r>
-              <a:rPr lang="en-US" sz="3200" dirty="0">
-                <a:cs typeface="Calibri"/>
-              </a:rPr>
-              <a:t>Homeless + Cold Winter = Froze to death</a:t>
-            </a:r>
-          </a:p>
         </p:txBody>
       </p:sp>
     </p:spTree>
@@ -12577,7 +12630,7 @@
             <p:ph idx="1"/>
             <p:extLst>
               <p:ext uri="{D42A27DB-BD31-4B8C-83A1-F6EECF244321}">
-                <p14:modId xmlns:p14="http://schemas.microsoft.com/office/powerpoint/2010/main" val="565836496"/>
+                <p14:modId xmlns:p14="http://schemas.microsoft.com/office/powerpoint/2010/main" val="1915060764"/>
               </p:ext>
             </p:extLst>
           </p:nvPr>
